--- a/Article/리뷰/공부리뷰/개정판_어떻게운영체제를공부할것인가/img/img.pptx
+++ b/Article/리뷰/공부리뷰/개정판_어떻게운영체제를공부할것인가/img/img.pptx
@@ -6,6 +6,9 @@
   </p:sldMasterIdLst>
   <p:sldIdLst>
     <p:sldId id="256" r:id="rId2"/>
+    <p:sldId id="257" r:id="rId3"/>
+    <p:sldId id="258" r:id="rId4"/>
+    <p:sldId id="259" r:id="rId5"/>
   </p:sldIdLst>
   <p:sldSz cx="12192000" cy="6858000"/>
   <p:notesSz cx="6858000" cy="9144000"/>
@@ -3468,6 +3471,714 @@
 </p:sld>
 </file>
 
+<file path=ppt/slides/slide2.xml><?xml version="1.0" encoding="utf-8"?>
+<p:sld xmlns:a="http://schemas.openxmlformats.org/drawingml/2006/main" xmlns:r="http://schemas.openxmlformats.org/officeDocument/2006/relationships" xmlns:p="http://schemas.openxmlformats.org/presentationml/2006/main">
+  <p:cSld>
+    <p:spTree>
+      <p:nvGrpSpPr>
+        <p:cNvPr id="1" name=""/>
+        <p:cNvGrpSpPr/>
+        <p:nvPr/>
+      </p:nvGrpSpPr>
+      <p:grpSpPr>
+        <a:xfrm>
+          <a:off x="0" y="0"/>
+          <a:ext cx="0" cy="0"/>
+          <a:chOff x="0" y="0"/>
+          <a:chExt cx="0" cy="0"/>
+        </a:xfrm>
+      </p:grpSpPr>
+      <p:pic>
+        <p:nvPicPr>
+          <p:cNvPr id="5" name="그림 4">
+            <a:extLst>
+              <a:ext uri="{FF2B5EF4-FFF2-40B4-BE49-F238E27FC236}">
+                <a16:creationId xmlns:a16="http://schemas.microsoft.com/office/drawing/2014/main" id="{551169A5-5232-44C9-9609-23AD3B205157}"/>
+              </a:ext>
+            </a:extLst>
+          </p:cNvPr>
+          <p:cNvPicPr>
+            <a:picLocks noChangeAspect="1"/>
+          </p:cNvPicPr>
+          <p:nvPr/>
+        </p:nvPicPr>
+        <p:blipFill>
+          <a:blip r:embed="rId2"/>
+          <a:stretch>
+            <a:fillRect/>
+          </a:stretch>
+        </p:blipFill>
+        <p:spPr>
+          <a:xfrm>
+            <a:off x="130628" y="373055"/>
+            <a:ext cx="11640024" cy="5906448"/>
+          </a:xfrm>
+          <a:prstGeom prst="rect">
+            <a:avLst/>
+          </a:prstGeom>
+        </p:spPr>
+      </p:pic>
+    </p:spTree>
+    <p:extLst>
+      <p:ext uri="{BB962C8B-B14F-4D97-AF65-F5344CB8AC3E}">
+        <p14:creationId xmlns:p14="http://schemas.microsoft.com/office/powerpoint/2010/main" val="1824297422"/>
+      </p:ext>
+    </p:extLst>
+  </p:cSld>
+  <p:clrMapOvr>
+    <a:masterClrMapping/>
+  </p:clrMapOvr>
+</p:sld>
+</file>
+
+<file path=ppt/slides/slide3.xml><?xml version="1.0" encoding="utf-8"?>
+<p:sld xmlns:a="http://schemas.openxmlformats.org/drawingml/2006/main" xmlns:r="http://schemas.openxmlformats.org/officeDocument/2006/relationships" xmlns:p="http://schemas.openxmlformats.org/presentationml/2006/main">
+  <p:cSld>
+    <p:bg>
+      <p:bgPr>
+        <a:solidFill>
+          <a:schemeClr val="bg1"/>
+        </a:solidFill>
+        <a:effectLst/>
+      </p:bgPr>
+    </p:bg>
+    <p:spTree>
+      <p:nvGrpSpPr>
+        <p:cNvPr id="1" name=""/>
+        <p:cNvGrpSpPr/>
+        <p:nvPr/>
+      </p:nvGrpSpPr>
+      <p:grpSpPr>
+        <a:xfrm>
+          <a:off x="0" y="0"/>
+          <a:ext cx="0" cy="0"/>
+          <a:chOff x="0" y="0"/>
+          <a:chExt cx="0" cy="0"/>
+        </a:xfrm>
+      </p:grpSpPr>
+      <p:pic>
+        <p:nvPicPr>
+          <p:cNvPr id="1026" name="Picture 2" descr="Operating System Concepts, 10th Edition, Asia Edition | Wiley">
+            <a:extLst>
+              <a:ext uri="{FF2B5EF4-FFF2-40B4-BE49-F238E27FC236}">
+                <a16:creationId xmlns:a16="http://schemas.microsoft.com/office/drawing/2014/main" id="{621C6F47-3336-43AE-A61B-F8A08EA06463}"/>
+              </a:ext>
+            </a:extLst>
+          </p:cNvPr>
+          <p:cNvPicPr>
+            <a:picLocks noChangeAspect="1" noChangeArrowheads="1"/>
+          </p:cNvPicPr>
+          <p:nvPr/>
+        </p:nvPicPr>
+        <p:blipFill>
+          <a:blip r:embed="rId2">
+            <a:extLst>
+              <a:ext uri="{28A0092B-C50C-407E-A947-70E740481C1C}">
+                <a14:useLocalDpi xmlns:a14="http://schemas.microsoft.com/office/drawing/2010/main" val="0"/>
+              </a:ext>
+            </a:extLst>
+          </a:blip>
+          <a:srcRect/>
+          <a:stretch>
+            <a:fillRect/>
+          </a:stretch>
+        </p:blipFill>
+        <p:spPr bwMode="auto">
+          <a:xfrm>
+            <a:off x="821289" y="1410769"/>
+            <a:ext cx="3056418" cy="4065036"/>
+          </a:xfrm>
+          <a:prstGeom prst="rect">
+            <a:avLst/>
+          </a:prstGeom>
+          <a:noFill/>
+          <a:extLst>
+            <a:ext uri="{909E8E84-426E-40DD-AFC4-6F175D3DCCD1}">
+              <a14:hiddenFill xmlns:a14="http://schemas.microsoft.com/office/drawing/2010/main">
+                <a:solidFill>
+                  <a:srgbClr val="FFFFFF"/>
+                </a:solidFill>
+              </a14:hiddenFill>
+            </a:ext>
+          </a:extLst>
+        </p:spPr>
+      </p:pic>
+      <p:sp>
+        <p:nvSpPr>
+          <p:cNvPr id="6" name="TextBox 5">
+            <a:extLst>
+              <a:ext uri="{FF2B5EF4-FFF2-40B4-BE49-F238E27FC236}">
+                <a16:creationId xmlns:a16="http://schemas.microsoft.com/office/drawing/2014/main" id="{09F689EB-67E9-49A5-BD0B-22357DA3E82A}"/>
+              </a:ext>
+            </a:extLst>
+          </p:cNvPr>
+          <p:cNvSpPr txBox="1"/>
+          <p:nvPr/>
+        </p:nvSpPr>
+        <p:spPr>
+          <a:xfrm>
+            <a:off x="4115832" y="2519957"/>
+            <a:ext cx="7352268" cy="1107996"/>
+          </a:xfrm>
+          <a:prstGeom prst="rect">
+            <a:avLst/>
+          </a:prstGeom>
+          <a:noFill/>
+        </p:spPr>
+        <p:txBody>
+          <a:bodyPr wrap="square" rtlCol="0">
+            <a:spAutoFit/>
+          </a:bodyPr>
+          <a:lstStyle/>
+          <a:p>
+            <a:r>
+              <a:rPr lang="ko-KR" altLang="en-US" sz="6600" b="1">
+                <a:latin typeface="나눔스퀘어_ac ExtraBold" panose="020B0600000101010101" pitchFamily="50" charset="-127"/>
+                <a:ea typeface="나눔스퀘어_ac ExtraBold" panose="020B0600000101010101" pitchFamily="50" charset="-127"/>
+              </a:rPr>
+              <a:t>운영체제 공부 가이드</a:t>
+            </a:r>
+          </a:p>
+        </p:txBody>
+      </p:sp>
+      <p:sp>
+        <p:nvSpPr>
+          <p:cNvPr id="7" name="직사각형 6">
+            <a:extLst>
+              <a:ext uri="{FF2B5EF4-FFF2-40B4-BE49-F238E27FC236}">
+                <a16:creationId xmlns:a16="http://schemas.microsoft.com/office/drawing/2014/main" id="{5F3295BF-A31F-47F2-B1E0-72920C882620}"/>
+              </a:ext>
+            </a:extLst>
+          </p:cNvPr>
+          <p:cNvSpPr/>
+          <p:nvPr/>
+        </p:nvSpPr>
+        <p:spPr>
+          <a:xfrm>
+            <a:off x="161925" y="104775"/>
+            <a:ext cx="11906250" cy="6677025"/>
+          </a:xfrm>
+          <a:prstGeom prst="rect">
+            <a:avLst/>
+          </a:prstGeom>
+          <a:noFill/>
+          <a:ln w="38100">
+            <a:solidFill>
+              <a:srgbClr val="F7E100"/>
+            </a:solidFill>
+          </a:ln>
+        </p:spPr>
+        <p:style>
+          <a:lnRef idx="2">
+            <a:schemeClr val="accent1">
+              <a:shade val="50000"/>
+            </a:schemeClr>
+          </a:lnRef>
+          <a:fillRef idx="1">
+            <a:schemeClr val="accent1"/>
+          </a:fillRef>
+          <a:effectRef idx="0">
+            <a:schemeClr val="accent1"/>
+          </a:effectRef>
+          <a:fontRef idx="minor">
+            <a:schemeClr val="lt1"/>
+          </a:fontRef>
+        </p:style>
+        <p:txBody>
+          <a:bodyPr rtlCol="0" anchor="ctr"/>
+          <a:lstStyle/>
+          <a:p>
+            <a:pPr algn="ctr"/>
+            <a:endParaRPr lang="ko-KR" altLang="en-US"/>
+          </a:p>
+        </p:txBody>
+      </p:sp>
+      <p:pic>
+        <p:nvPicPr>
+          <p:cNvPr id="11" name="그림 10">
+            <a:extLst>
+              <a:ext uri="{FF2B5EF4-FFF2-40B4-BE49-F238E27FC236}">
+                <a16:creationId xmlns:a16="http://schemas.microsoft.com/office/drawing/2014/main" id="{C8E08D2D-C885-4997-A82C-B5EA5EDB315D}"/>
+              </a:ext>
+            </a:extLst>
+          </p:cNvPr>
+          <p:cNvPicPr>
+            <a:picLocks noChangeAspect="1"/>
+          </p:cNvPicPr>
+          <p:nvPr/>
+        </p:nvPicPr>
+        <p:blipFill>
+          <a:blip r:embed="rId3"/>
+          <a:stretch>
+            <a:fillRect/>
+          </a:stretch>
+        </p:blipFill>
+        <p:spPr>
+          <a:xfrm>
+            <a:off x="6872287" y="933450"/>
+            <a:ext cx="1304925" cy="1276350"/>
+          </a:xfrm>
+          <a:prstGeom prst="rect">
+            <a:avLst/>
+          </a:prstGeom>
+        </p:spPr>
+      </p:pic>
+      <p:sp>
+        <p:nvSpPr>
+          <p:cNvPr id="12" name="사각형: 둥근 모서리 11">
+            <a:extLst>
+              <a:ext uri="{FF2B5EF4-FFF2-40B4-BE49-F238E27FC236}">
+                <a16:creationId xmlns:a16="http://schemas.microsoft.com/office/drawing/2014/main" id="{A7195EC5-E867-440E-AA64-44F2BB1723DC}"/>
+              </a:ext>
+            </a:extLst>
+          </p:cNvPr>
+          <p:cNvSpPr/>
+          <p:nvPr/>
+        </p:nvSpPr>
+        <p:spPr>
+          <a:xfrm>
+            <a:off x="4115832" y="2609850"/>
+            <a:ext cx="4513818" cy="742950"/>
+          </a:xfrm>
+          <a:prstGeom prst="roundRect">
+            <a:avLst>
+              <a:gd name="adj" fmla="val 35898"/>
+            </a:avLst>
+          </a:prstGeom>
+          <a:solidFill>
+            <a:srgbClr val="F4CC4E"/>
+          </a:solidFill>
+        </p:spPr>
+        <p:style>
+          <a:lnRef idx="2">
+            <a:schemeClr val="accent1">
+              <a:shade val="50000"/>
+            </a:schemeClr>
+          </a:lnRef>
+          <a:fillRef idx="1">
+            <a:schemeClr val="accent1"/>
+          </a:fillRef>
+          <a:effectRef idx="0">
+            <a:schemeClr val="accent1"/>
+          </a:effectRef>
+          <a:fontRef idx="minor">
+            <a:schemeClr val="lt1"/>
+          </a:fontRef>
+        </p:style>
+        <p:txBody>
+          <a:bodyPr rtlCol="0" anchor="ctr"/>
+          <a:lstStyle/>
+          <a:p>
+            <a:pPr algn="ctr"/>
+            <a:endParaRPr lang="ko-KR" altLang="en-US"/>
+          </a:p>
+        </p:txBody>
+      </p:sp>
+      <p:sp>
+        <p:nvSpPr>
+          <p:cNvPr id="15" name="TextBox 14">
+            <a:extLst>
+              <a:ext uri="{FF2B5EF4-FFF2-40B4-BE49-F238E27FC236}">
+                <a16:creationId xmlns:a16="http://schemas.microsoft.com/office/drawing/2014/main" id="{2AE1CEA8-B6E5-4AD1-9DB5-BDA8322A1D98}"/>
+              </a:ext>
+            </a:extLst>
+          </p:cNvPr>
+          <p:cNvSpPr txBox="1"/>
+          <p:nvPr/>
+        </p:nvSpPr>
+        <p:spPr>
+          <a:xfrm>
+            <a:off x="3048000" y="3244334"/>
+            <a:ext cx="6096000" cy="369332"/>
+          </a:xfrm>
+          <a:prstGeom prst="rect">
+            <a:avLst/>
+          </a:prstGeom>
+          <a:noFill/>
+        </p:spPr>
+        <p:txBody>
+          <a:bodyPr wrap="square">
+            <a:spAutoFit/>
+          </a:bodyPr>
+          <a:lstStyle/>
+          <a:p>
+            <a:r>
+              <a:rPr lang="en-US" altLang="ko-KR" sz="1800">
+                <a:solidFill>
+                  <a:schemeClr val="bg1"/>
+                </a:solidFill>
+                <a:latin typeface="여기어때 잘난체 OTF" panose="020B0600000101010101" pitchFamily="34" charset="-127"/>
+                <a:ea typeface="여기어때 잘난체 OTF" panose="020B0600000101010101" pitchFamily="34" charset="-127"/>
+              </a:rPr>
+              <a:t>How</a:t>
+            </a:r>
+            <a:r>
+              <a:rPr lang="ko-KR" altLang="en-US" sz="1800">
+                <a:solidFill>
+                  <a:schemeClr val="bg1"/>
+                </a:solidFill>
+                <a:latin typeface="여기어때 잘난체 OTF" panose="020B0600000101010101" pitchFamily="34" charset="-127"/>
+                <a:ea typeface="여기어때 잘난체 OTF" panose="020B0600000101010101" pitchFamily="34" charset="-127"/>
+              </a:rPr>
+              <a:t> </a:t>
+            </a:r>
+            <a:r>
+              <a:rPr lang="en-US" altLang="ko-KR" sz="1800">
+                <a:solidFill>
+                  <a:schemeClr val="bg1"/>
+                </a:solidFill>
+                <a:latin typeface="여기어때 잘난체 OTF" panose="020B0600000101010101" pitchFamily="34" charset="-127"/>
+                <a:ea typeface="여기어때 잘난체 OTF" panose="020B0600000101010101" pitchFamily="34" charset="-127"/>
+              </a:rPr>
+              <a:t>to Study</a:t>
+            </a:r>
+          </a:p>
+        </p:txBody>
+      </p:sp>
+      <p:sp>
+        <p:nvSpPr>
+          <p:cNvPr id="16" name="TextBox 15">
+            <a:extLst>
+              <a:ext uri="{FF2B5EF4-FFF2-40B4-BE49-F238E27FC236}">
+                <a16:creationId xmlns:a16="http://schemas.microsoft.com/office/drawing/2014/main" id="{7EAE941E-01BD-45E9-A636-B123E6D84A0A}"/>
+              </a:ext>
+            </a:extLst>
+          </p:cNvPr>
+          <p:cNvSpPr txBox="1"/>
+          <p:nvPr/>
+        </p:nvSpPr>
+        <p:spPr>
+          <a:xfrm>
+            <a:off x="3200400" y="3396734"/>
+            <a:ext cx="6096000" cy="369332"/>
+          </a:xfrm>
+          <a:prstGeom prst="rect">
+            <a:avLst/>
+          </a:prstGeom>
+          <a:noFill/>
+        </p:spPr>
+        <p:txBody>
+          <a:bodyPr wrap="square">
+            <a:spAutoFit/>
+          </a:bodyPr>
+          <a:lstStyle/>
+          <a:p>
+            <a:r>
+              <a:rPr lang="en-US" altLang="ko-KR" sz="1800">
+                <a:solidFill>
+                  <a:schemeClr val="bg1"/>
+                </a:solidFill>
+                <a:latin typeface="여기어때 잘난체 OTF" panose="020B0600000101010101" pitchFamily="34" charset="-127"/>
+                <a:ea typeface="여기어때 잘난체 OTF" panose="020B0600000101010101" pitchFamily="34" charset="-127"/>
+              </a:rPr>
+              <a:t>How</a:t>
+            </a:r>
+            <a:r>
+              <a:rPr lang="ko-KR" altLang="en-US" sz="1800">
+                <a:solidFill>
+                  <a:schemeClr val="bg1"/>
+                </a:solidFill>
+                <a:latin typeface="여기어때 잘난체 OTF" panose="020B0600000101010101" pitchFamily="34" charset="-127"/>
+                <a:ea typeface="여기어때 잘난체 OTF" panose="020B0600000101010101" pitchFamily="34" charset="-127"/>
+              </a:rPr>
+              <a:t> </a:t>
+            </a:r>
+            <a:r>
+              <a:rPr lang="en-US" altLang="ko-KR" sz="1800">
+                <a:solidFill>
+                  <a:schemeClr val="bg1"/>
+                </a:solidFill>
+                <a:latin typeface="여기어때 잘난체 OTF" panose="020B0600000101010101" pitchFamily="34" charset="-127"/>
+                <a:ea typeface="여기어때 잘난체 OTF" panose="020B0600000101010101" pitchFamily="34" charset="-127"/>
+              </a:rPr>
+              <a:t>to Study</a:t>
+            </a:r>
+          </a:p>
+        </p:txBody>
+      </p:sp>
+    </p:spTree>
+    <p:extLst>
+      <p:ext uri="{BB962C8B-B14F-4D97-AF65-F5344CB8AC3E}">
+        <p14:creationId xmlns:p14="http://schemas.microsoft.com/office/powerpoint/2010/main" val="2966610640"/>
+      </p:ext>
+    </p:extLst>
+  </p:cSld>
+  <p:clrMapOvr>
+    <a:masterClrMapping/>
+  </p:clrMapOvr>
+</p:sld>
+</file>
+
+<file path=ppt/slides/slide4.xml><?xml version="1.0" encoding="utf-8"?>
+<p:sld xmlns:a="http://schemas.openxmlformats.org/drawingml/2006/main" xmlns:r="http://schemas.openxmlformats.org/officeDocument/2006/relationships" xmlns:p="http://schemas.openxmlformats.org/presentationml/2006/main">
+  <p:cSld>
+    <p:spTree>
+      <p:nvGrpSpPr>
+        <p:cNvPr id="1" name=""/>
+        <p:cNvGrpSpPr/>
+        <p:nvPr/>
+      </p:nvGrpSpPr>
+      <p:grpSpPr>
+        <a:xfrm>
+          <a:off x="0" y="0"/>
+          <a:ext cx="0" cy="0"/>
+          <a:chOff x="0" y="0"/>
+          <a:chExt cx="0" cy="0"/>
+        </a:xfrm>
+      </p:grpSpPr>
+      <p:sp>
+        <p:nvSpPr>
+          <p:cNvPr id="6" name="TextBox 5">
+            <a:extLst>
+              <a:ext uri="{FF2B5EF4-FFF2-40B4-BE49-F238E27FC236}">
+                <a16:creationId xmlns:a16="http://schemas.microsoft.com/office/drawing/2014/main" id="{09F689EB-67E9-49A5-BD0B-22357DA3E82A}"/>
+              </a:ext>
+            </a:extLst>
+          </p:cNvPr>
+          <p:cNvSpPr txBox="1"/>
+          <p:nvPr/>
+        </p:nvSpPr>
+        <p:spPr>
+          <a:xfrm>
+            <a:off x="4030106" y="3171943"/>
+            <a:ext cx="7742793" cy="1107996"/>
+          </a:xfrm>
+          <a:prstGeom prst="rect">
+            <a:avLst/>
+          </a:prstGeom>
+          <a:noFill/>
+        </p:spPr>
+        <p:txBody>
+          <a:bodyPr wrap="square" rtlCol="0">
+            <a:spAutoFit/>
+          </a:bodyPr>
+          <a:lstStyle/>
+          <a:p>
+            <a:r>
+              <a:rPr lang="ko-KR" altLang="en-US" sz="6600" b="1">
+                <a:latin typeface="나눔스퀘어_ac ExtraBold" panose="020B0600000101010101" pitchFamily="50" charset="-127"/>
+                <a:ea typeface="나눔스퀘어_ac ExtraBold" panose="020B0600000101010101" pitchFamily="50" charset="-127"/>
+              </a:rPr>
+              <a:t>운영체제 공부 가이드</a:t>
+            </a:r>
+          </a:p>
+        </p:txBody>
+      </p:sp>
+      <p:sp>
+        <p:nvSpPr>
+          <p:cNvPr id="12" name="사각형: 둥근 모서리 11">
+            <a:extLst>
+              <a:ext uri="{FF2B5EF4-FFF2-40B4-BE49-F238E27FC236}">
+                <a16:creationId xmlns:a16="http://schemas.microsoft.com/office/drawing/2014/main" id="{A7195EC5-E867-440E-AA64-44F2BB1723DC}"/>
+              </a:ext>
+            </a:extLst>
+          </p:cNvPr>
+          <p:cNvSpPr/>
+          <p:nvPr/>
+        </p:nvSpPr>
+        <p:spPr>
+          <a:xfrm>
+            <a:off x="4030108" y="2496622"/>
+            <a:ext cx="3694667" cy="675322"/>
+          </a:xfrm>
+          <a:prstGeom prst="roundRect">
+            <a:avLst>
+              <a:gd name="adj" fmla="val 35898"/>
+            </a:avLst>
+          </a:prstGeom>
+          <a:solidFill>
+            <a:schemeClr val="tx1"/>
+          </a:solidFill>
+          <a:ln>
+            <a:noFill/>
+          </a:ln>
+        </p:spPr>
+        <p:style>
+          <a:lnRef idx="2">
+            <a:schemeClr val="accent1">
+              <a:shade val="50000"/>
+            </a:schemeClr>
+          </a:lnRef>
+          <a:fillRef idx="1">
+            <a:schemeClr val="accent1"/>
+          </a:fillRef>
+          <a:effectRef idx="0">
+            <a:schemeClr val="accent1"/>
+          </a:effectRef>
+          <a:fontRef idx="minor">
+            <a:schemeClr val="lt1"/>
+          </a:fontRef>
+        </p:style>
+        <p:txBody>
+          <a:bodyPr rtlCol="0" anchor="ctr"/>
+          <a:lstStyle/>
+          <a:p>
+            <a:pPr algn="ctr"/>
+            <a:endParaRPr lang="ko-KR" altLang="en-US">
+              <a:highlight>
+                <a:srgbClr val="FFFF00"/>
+              </a:highlight>
+            </a:endParaRPr>
+          </a:p>
+        </p:txBody>
+      </p:sp>
+      <p:sp>
+        <p:nvSpPr>
+          <p:cNvPr id="15" name="TextBox 14">
+            <a:extLst>
+              <a:ext uri="{FF2B5EF4-FFF2-40B4-BE49-F238E27FC236}">
+                <a16:creationId xmlns:a16="http://schemas.microsoft.com/office/drawing/2014/main" id="{2AE1CEA8-B6E5-4AD1-9DB5-BDA8322A1D98}"/>
+              </a:ext>
+            </a:extLst>
+          </p:cNvPr>
+          <p:cNvSpPr txBox="1"/>
+          <p:nvPr/>
+        </p:nvSpPr>
+        <p:spPr>
+          <a:xfrm>
+            <a:off x="4145240" y="2468046"/>
+            <a:ext cx="3446186" cy="646331"/>
+          </a:xfrm>
+          <a:prstGeom prst="rect">
+            <a:avLst/>
+          </a:prstGeom>
+          <a:noFill/>
+        </p:spPr>
+        <p:txBody>
+          <a:bodyPr wrap="square">
+            <a:spAutoFit/>
+          </a:bodyPr>
+          <a:lstStyle/>
+          <a:p>
+            <a:r>
+              <a:rPr lang="en-US" altLang="ko-KR" sz="3600">
+                <a:solidFill>
+                  <a:schemeClr val="bg1"/>
+                </a:solidFill>
+                <a:latin typeface="여기어때 잘난체 OTF" panose="020B0600000101010101" pitchFamily="34" charset="-127"/>
+                <a:ea typeface="여기어때 잘난체 OTF" panose="020B0600000101010101" pitchFamily="34" charset="-127"/>
+              </a:rPr>
+              <a:t>How</a:t>
+            </a:r>
+            <a:r>
+              <a:rPr lang="ko-KR" altLang="en-US" sz="3600">
+                <a:solidFill>
+                  <a:schemeClr val="bg1"/>
+                </a:solidFill>
+                <a:latin typeface="여기어때 잘난체 OTF" panose="020B0600000101010101" pitchFamily="34" charset="-127"/>
+                <a:ea typeface="여기어때 잘난체 OTF" panose="020B0600000101010101" pitchFamily="34" charset="-127"/>
+              </a:rPr>
+              <a:t> </a:t>
+            </a:r>
+            <a:r>
+              <a:rPr lang="en-US" altLang="ko-KR" sz="3600">
+                <a:solidFill>
+                  <a:schemeClr val="bg1"/>
+                </a:solidFill>
+                <a:latin typeface="여기어때 잘난체 OTF" panose="020B0600000101010101" pitchFamily="34" charset="-127"/>
+                <a:ea typeface="여기어때 잘난체 OTF" panose="020B0600000101010101" pitchFamily="34" charset="-127"/>
+              </a:rPr>
+              <a:t>to Study</a:t>
+            </a:r>
+          </a:p>
+        </p:txBody>
+      </p:sp>
+      <p:pic>
+        <p:nvPicPr>
+          <p:cNvPr id="3074" name="Picture 2" descr="Operating System Concepts, 10th Edition, Asia Edition | Wiley">
+            <a:extLst>
+              <a:ext uri="{FF2B5EF4-FFF2-40B4-BE49-F238E27FC236}">
+                <a16:creationId xmlns:a16="http://schemas.microsoft.com/office/drawing/2014/main" id="{0D78BDCB-BC60-498F-A8FD-F5D66E7A1148}"/>
+              </a:ext>
+            </a:extLst>
+          </p:cNvPr>
+          <p:cNvPicPr>
+            <a:picLocks noChangeAspect="1" noChangeArrowheads="1"/>
+          </p:cNvPicPr>
+          <p:nvPr/>
+        </p:nvPicPr>
+        <p:blipFill>
+          <a:blip r:embed="rId2">
+            <a:extLst>
+              <a:ext uri="{28A0092B-C50C-407E-A947-70E740481C1C}">
+                <a14:useLocalDpi xmlns:a14="http://schemas.microsoft.com/office/drawing/2010/main" val="0"/>
+              </a:ext>
+            </a:extLst>
+          </a:blip>
+          <a:srcRect/>
+          <a:stretch>
+            <a:fillRect/>
+          </a:stretch>
+        </p:blipFill>
+        <p:spPr bwMode="auto">
+          <a:xfrm>
+            <a:off x="723900" y="1369481"/>
+            <a:ext cx="3118505" cy="4147612"/>
+          </a:xfrm>
+          <a:prstGeom prst="rect">
+            <a:avLst/>
+          </a:prstGeom>
+          <a:noFill/>
+          <a:extLst>
+            <a:ext uri="{909E8E84-426E-40DD-AFC4-6F175D3DCCD1}">
+              <a14:hiddenFill xmlns:a14="http://schemas.microsoft.com/office/drawing/2010/main">
+                <a:solidFill>
+                  <a:srgbClr val="FFFFFF"/>
+                </a:solidFill>
+              </a14:hiddenFill>
+            </a:ext>
+          </a:extLst>
+        </p:spPr>
+      </p:pic>
+      <p:pic>
+        <p:nvPicPr>
+          <p:cNvPr id="14" name="그림 13" descr="장난감, 벡터그래픽이(가) 표시된 사진&#10;&#10;자동 생성된 설명">
+            <a:extLst>
+              <a:ext uri="{FF2B5EF4-FFF2-40B4-BE49-F238E27FC236}">
+                <a16:creationId xmlns:a16="http://schemas.microsoft.com/office/drawing/2014/main" id="{36613908-B036-47B6-9ECE-6A677E009C6C}"/>
+              </a:ext>
+            </a:extLst>
+          </p:cNvPr>
+          <p:cNvPicPr>
+            <a:picLocks noChangeAspect="1"/>
+          </p:cNvPicPr>
+          <p:nvPr/>
+        </p:nvPicPr>
+        <p:blipFill>
+          <a:blip r:embed="rId3">
+            <a:extLst>
+              <a:ext uri="{28A0092B-C50C-407E-A947-70E740481C1C}">
+                <a14:useLocalDpi xmlns:a14="http://schemas.microsoft.com/office/drawing/2010/main" val="0"/>
+              </a:ext>
+            </a:extLst>
+          </a:blip>
+          <a:stretch>
+            <a:fillRect/>
+          </a:stretch>
+        </p:blipFill>
+        <p:spPr>
+          <a:xfrm>
+            <a:off x="7706558" y="1733549"/>
+            <a:ext cx="1876425" cy="1876425"/>
+          </a:xfrm>
+          <a:prstGeom prst="rect">
+            <a:avLst/>
+          </a:prstGeom>
+        </p:spPr>
+      </p:pic>
+    </p:spTree>
+    <p:extLst>
+      <p:ext uri="{BB962C8B-B14F-4D97-AF65-F5344CB8AC3E}">
+        <p14:creationId xmlns:p14="http://schemas.microsoft.com/office/powerpoint/2010/main" val="1745050644"/>
+      </p:ext>
+    </p:extLst>
+  </p:cSld>
+  <p:clrMapOvr>
+    <a:masterClrMapping/>
+  </p:clrMapOvr>
+</p:sld>
+</file>
+
 <file path=ppt/theme/theme1.xml><?xml version="1.0" encoding="utf-8"?>
 <a:theme xmlns:a="http://schemas.openxmlformats.org/drawingml/2006/main" name="Office 테마">
   <a:themeElements>

--- a/Article/리뷰/공부리뷰/개정판_어떻게운영체제를공부할것인가/img/img.pptx
+++ b/Article/리뷰/공부리뷰/개정판_어떻게운영체제를공부할것인가/img/img.pptx
@@ -7,8 +7,7 @@
   <p:sldIdLst>
     <p:sldId id="256" r:id="rId2"/>
     <p:sldId id="257" r:id="rId3"/>
-    <p:sldId id="258" r:id="rId4"/>
-    <p:sldId id="259" r:id="rId5"/>
+    <p:sldId id="259" r:id="rId4"/>
   </p:sldIdLst>
   <p:sldSz cx="12192000" cy="6858000"/>
   <p:notesSz cx="6858000" cy="9144000"/>
@@ -107,6 +106,11 @@
       </a:defRPr>
     </a:lvl9pPr>
   </p:defaultTextStyle>
+  <p:extLst>
+    <p:ext uri="{EFAFB233-063F-42B5-8137-9DF3F51BA10A}">
+      <p15:sldGuideLst xmlns:p15="http://schemas.microsoft.com/office/powerpoint/2012/main"/>
+    </p:ext>
+  </p:extLst>
 </p:presentation>
 </file>
 
@@ -257,7 +261,7 @@
           <a:p>
             <a:fld id="{9D43F804-2AD6-4689-8962-F278AEC4ABBD}" type="datetimeFigureOut">
               <a:rPr lang="ko-KR" altLang="en-US" smtClean="0"/>
-              <a:t>2020-12-28</a:t>
+              <a:t>2020-12-29</a:t>
             </a:fld>
             <a:endParaRPr lang="ko-KR" altLang="en-US"/>
           </a:p>
@@ -455,7 +459,7 @@
           <a:p>
             <a:fld id="{9D43F804-2AD6-4689-8962-F278AEC4ABBD}" type="datetimeFigureOut">
               <a:rPr lang="ko-KR" altLang="en-US" smtClean="0"/>
-              <a:t>2020-12-28</a:t>
+              <a:t>2020-12-29</a:t>
             </a:fld>
             <a:endParaRPr lang="ko-KR" altLang="en-US"/>
           </a:p>
@@ -663,7 +667,7 @@
           <a:p>
             <a:fld id="{9D43F804-2AD6-4689-8962-F278AEC4ABBD}" type="datetimeFigureOut">
               <a:rPr lang="ko-KR" altLang="en-US" smtClean="0"/>
-              <a:t>2020-12-28</a:t>
+              <a:t>2020-12-29</a:t>
             </a:fld>
             <a:endParaRPr lang="ko-KR" altLang="en-US"/>
           </a:p>
@@ -861,7 +865,7 @@
           <a:p>
             <a:fld id="{9D43F804-2AD6-4689-8962-F278AEC4ABBD}" type="datetimeFigureOut">
               <a:rPr lang="ko-KR" altLang="en-US" smtClean="0"/>
-              <a:t>2020-12-28</a:t>
+              <a:t>2020-12-29</a:t>
             </a:fld>
             <a:endParaRPr lang="ko-KR" altLang="en-US"/>
           </a:p>
@@ -1136,7 +1140,7 @@
           <a:p>
             <a:fld id="{9D43F804-2AD6-4689-8962-F278AEC4ABBD}" type="datetimeFigureOut">
               <a:rPr lang="ko-KR" altLang="en-US" smtClean="0"/>
-              <a:t>2020-12-28</a:t>
+              <a:t>2020-12-29</a:t>
             </a:fld>
             <a:endParaRPr lang="ko-KR" altLang="en-US"/>
           </a:p>
@@ -1401,7 +1405,7 @@
           <a:p>
             <a:fld id="{9D43F804-2AD6-4689-8962-F278AEC4ABBD}" type="datetimeFigureOut">
               <a:rPr lang="ko-KR" altLang="en-US" smtClean="0"/>
-              <a:t>2020-12-28</a:t>
+              <a:t>2020-12-29</a:t>
             </a:fld>
             <a:endParaRPr lang="ko-KR" altLang="en-US"/>
           </a:p>
@@ -1813,7 +1817,7 @@
           <a:p>
             <a:fld id="{9D43F804-2AD6-4689-8962-F278AEC4ABBD}" type="datetimeFigureOut">
               <a:rPr lang="ko-KR" altLang="en-US" smtClean="0"/>
-              <a:t>2020-12-28</a:t>
+              <a:t>2020-12-29</a:t>
             </a:fld>
             <a:endParaRPr lang="ko-KR" altLang="en-US"/>
           </a:p>
@@ -1954,7 +1958,7 @@
           <a:p>
             <a:fld id="{9D43F804-2AD6-4689-8962-F278AEC4ABBD}" type="datetimeFigureOut">
               <a:rPr lang="ko-KR" altLang="en-US" smtClean="0"/>
-              <a:t>2020-12-28</a:t>
+              <a:t>2020-12-29</a:t>
             </a:fld>
             <a:endParaRPr lang="ko-KR" altLang="en-US"/>
           </a:p>
@@ -2067,7 +2071,7 @@
           <a:p>
             <a:fld id="{9D43F804-2AD6-4689-8962-F278AEC4ABBD}" type="datetimeFigureOut">
               <a:rPr lang="ko-KR" altLang="en-US" smtClean="0"/>
-              <a:t>2020-12-28</a:t>
+              <a:t>2020-12-29</a:t>
             </a:fld>
             <a:endParaRPr lang="ko-KR" altLang="en-US"/>
           </a:p>
@@ -2378,7 +2382,7 @@
           <a:p>
             <a:fld id="{9D43F804-2AD6-4689-8962-F278AEC4ABBD}" type="datetimeFigureOut">
               <a:rPr lang="ko-KR" altLang="en-US" smtClean="0"/>
-              <a:t>2020-12-28</a:t>
+              <a:t>2020-12-29</a:t>
             </a:fld>
             <a:endParaRPr lang="ko-KR" altLang="en-US"/>
           </a:p>
@@ -2666,7 +2670,7 @@
           <a:p>
             <a:fld id="{9D43F804-2AD6-4689-8962-F278AEC4ABBD}" type="datetimeFigureOut">
               <a:rPr lang="ko-KR" altLang="en-US" smtClean="0"/>
-              <a:t>2020-12-28</a:t>
+              <a:t>2020-12-29</a:t>
             </a:fld>
             <a:endParaRPr lang="ko-KR" altLang="en-US"/>
           </a:p>
@@ -2907,7 +2911,7 @@
           <a:p>
             <a:fld id="{9D43F804-2AD6-4689-8962-F278AEC4ABBD}" type="datetimeFigureOut">
               <a:rPr lang="ko-KR" altLang="en-US" smtClean="0"/>
-              <a:t>2020-12-28</a:t>
+              <a:t>2020-12-29</a:t>
             </a:fld>
             <a:endParaRPr lang="ko-KR" altLang="en-US"/>
           </a:p>
@@ -3534,384 +3538,6 @@
 <file path=ppt/slides/slide3.xml><?xml version="1.0" encoding="utf-8"?>
 <p:sld xmlns:a="http://schemas.openxmlformats.org/drawingml/2006/main" xmlns:r="http://schemas.openxmlformats.org/officeDocument/2006/relationships" xmlns:p="http://schemas.openxmlformats.org/presentationml/2006/main">
   <p:cSld>
-    <p:bg>
-      <p:bgPr>
-        <a:solidFill>
-          <a:schemeClr val="bg1"/>
-        </a:solidFill>
-        <a:effectLst/>
-      </p:bgPr>
-    </p:bg>
-    <p:spTree>
-      <p:nvGrpSpPr>
-        <p:cNvPr id="1" name=""/>
-        <p:cNvGrpSpPr/>
-        <p:nvPr/>
-      </p:nvGrpSpPr>
-      <p:grpSpPr>
-        <a:xfrm>
-          <a:off x="0" y="0"/>
-          <a:ext cx="0" cy="0"/>
-          <a:chOff x="0" y="0"/>
-          <a:chExt cx="0" cy="0"/>
-        </a:xfrm>
-      </p:grpSpPr>
-      <p:pic>
-        <p:nvPicPr>
-          <p:cNvPr id="1026" name="Picture 2" descr="Operating System Concepts, 10th Edition, Asia Edition | Wiley">
-            <a:extLst>
-              <a:ext uri="{FF2B5EF4-FFF2-40B4-BE49-F238E27FC236}">
-                <a16:creationId xmlns:a16="http://schemas.microsoft.com/office/drawing/2014/main" id="{621C6F47-3336-43AE-A61B-F8A08EA06463}"/>
-              </a:ext>
-            </a:extLst>
-          </p:cNvPr>
-          <p:cNvPicPr>
-            <a:picLocks noChangeAspect="1" noChangeArrowheads="1"/>
-          </p:cNvPicPr>
-          <p:nvPr/>
-        </p:nvPicPr>
-        <p:blipFill>
-          <a:blip r:embed="rId2">
-            <a:extLst>
-              <a:ext uri="{28A0092B-C50C-407E-A947-70E740481C1C}">
-                <a14:useLocalDpi xmlns:a14="http://schemas.microsoft.com/office/drawing/2010/main" val="0"/>
-              </a:ext>
-            </a:extLst>
-          </a:blip>
-          <a:srcRect/>
-          <a:stretch>
-            <a:fillRect/>
-          </a:stretch>
-        </p:blipFill>
-        <p:spPr bwMode="auto">
-          <a:xfrm>
-            <a:off x="821289" y="1410769"/>
-            <a:ext cx="3056418" cy="4065036"/>
-          </a:xfrm>
-          <a:prstGeom prst="rect">
-            <a:avLst/>
-          </a:prstGeom>
-          <a:noFill/>
-          <a:extLst>
-            <a:ext uri="{909E8E84-426E-40DD-AFC4-6F175D3DCCD1}">
-              <a14:hiddenFill xmlns:a14="http://schemas.microsoft.com/office/drawing/2010/main">
-                <a:solidFill>
-                  <a:srgbClr val="FFFFFF"/>
-                </a:solidFill>
-              </a14:hiddenFill>
-            </a:ext>
-          </a:extLst>
-        </p:spPr>
-      </p:pic>
-      <p:sp>
-        <p:nvSpPr>
-          <p:cNvPr id="6" name="TextBox 5">
-            <a:extLst>
-              <a:ext uri="{FF2B5EF4-FFF2-40B4-BE49-F238E27FC236}">
-                <a16:creationId xmlns:a16="http://schemas.microsoft.com/office/drawing/2014/main" id="{09F689EB-67E9-49A5-BD0B-22357DA3E82A}"/>
-              </a:ext>
-            </a:extLst>
-          </p:cNvPr>
-          <p:cNvSpPr txBox="1"/>
-          <p:nvPr/>
-        </p:nvSpPr>
-        <p:spPr>
-          <a:xfrm>
-            <a:off x="4115832" y="2519957"/>
-            <a:ext cx="7352268" cy="1107996"/>
-          </a:xfrm>
-          <a:prstGeom prst="rect">
-            <a:avLst/>
-          </a:prstGeom>
-          <a:noFill/>
-        </p:spPr>
-        <p:txBody>
-          <a:bodyPr wrap="square" rtlCol="0">
-            <a:spAutoFit/>
-          </a:bodyPr>
-          <a:lstStyle/>
-          <a:p>
-            <a:r>
-              <a:rPr lang="ko-KR" altLang="en-US" sz="6600" b="1">
-                <a:latin typeface="나눔스퀘어_ac ExtraBold" panose="020B0600000101010101" pitchFamily="50" charset="-127"/>
-                <a:ea typeface="나눔스퀘어_ac ExtraBold" panose="020B0600000101010101" pitchFamily="50" charset="-127"/>
-              </a:rPr>
-              <a:t>운영체제 공부 가이드</a:t>
-            </a:r>
-          </a:p>
-        </p:txBody>
-      </p:sp>
-      <p:sp>
-        <p:nvSpPr>
-          <p:cNvPr id="7" name="직사각형 6">
-            <a:extLst>
-              <a:ext uri="{FF2B5EF4-FFF2-40B4-BE49-F238E27FC236}">
-                <a16:creationId xmlns:a16="http://schemas.microsoft.com/office/drawing/2014/main" id="{5F3295BF-A31F-47F2-B1E0-72920C882620}"/>
-              </a:ext>
-            </a:extLst>
-          </p:cNvPr>
-          <p:cNvSpPr/>
-          <p:nvPr/>
-        </p:nvSpPr>
-        <p:spPr>
-          <a:xfrm>
-            <a:off x="161925" y="104775"/>
-            <a:ext cx="11906250" cy="6677025"/>
-          </a:xfrm>
-          <a:prstGeom prst="rect">
-            <a:avLst/>
-          </a:prstGeom>
-          <a:noFill/>
-          <a:ln w="38100">
-            <a:solidFill>
-              <a:srgbClr val="F7E100"/>
-            </a:solidFill>
-          </a:ln>
-        </p:spPr>
-        <p:style>
-          <a:lnRef idx="2">
-            <a:schemeClr val="accent1">
-              <a:shade val="50000"/>
-            </a:schemeClr>
-          </a:lnRef>
-          <a:fillRef idx="1">
-            <a:schemeClr val="accent1"/>
-          </a:fillRef>
-          <a:effectRef idx="0">
-            <a:schemeClr val="accent1"/>
-          </a:effectRef>
-          <a:fontRef idx="minor">
-            <a:schemeClr val="lt1"/>
-          </a:fontRef>
-        </p:style>
-        <p:txBody>
-          <a:bodyPr rtlCol="0" anchor="ctr"/>
-          <a:lstStyle/>
-          <a:p>
-            <a:pPr algn="ctr"/>
-            <a:endParaRPr lang="ko-KR" altLang="en-US"/>
-          </a:p>
-        </p:txBody>
-      </p:sp>
-      <p:pic>
-        <p:nvPicPr>
-          <p:cNvPr id="11" name="그림 10">
-            <a:extLst>
-              <a:ext uri="{FF2B5EF4-FFF2-40B4-BE49-F238E27FC236}">
-                <a16:creationId xmlns:a16="http://schemas.microsoft.com/office/drawing/2014/main" id="{C8E08D2D-C885-4997-A82C-B5EA5EDB315D}"/>
-              </a:ext>
-            </a:extLst>
-          </p:cNvPr>
-          <p:cNvPicPr>
-            <a:picLocks noChangeAspect="1"/>
-          </p:cNvPicPr>
-          <p:nvPr/>
-        </p:nvPicPr>
-        <p:blipFill>
-          <a:blip r:embed="rId3"/>
-          <a:stretch>
-            <a:fillRect/>
-          </a:stretch>
-        </p:blipFill>
-        <p:spPr>
-          <a:xfrm>
-            <a:off x="6872287" y="933450"/>
-            <a:ext cx="1304925" cy="1276350"/>
-          </a:xfrm>
-          <a:prstGeom prst="rect">
-            <a:avLst/>
-          </a:prstGeom>
-        </p:spPr>
-      </p:pic>
-      <p:sp>
-        <p:nvSpPr>
-          <p:cNvPr id="12" name="사각형: 둥근 모서리 11">
-            <a:extLst>
-              <a:ext uri="{FF2B5EF4-FFF2-40B4-BE49-F238E27FC236}">
-                <a16:creationId xmlns:a16="http://schemas.microsoft.com/office/drawing/2014/main" id="{A7195EC5-E867-440E-AA64-44F2BB1723DC}"/>
-              </a:ext>
-            </a:extLst>
-          </p:cNvPr>
-          <p:cNvSpPr/>
-          <p:nvPr/>
-        </p:nvSpPr>
-        <p:spPr>
-          <a:xfrm>
-            <a:off x="4115832" y="2609850"/>
-            <a:ext cx="4513818" cy="742950"/>
-          </a:xfrm>
-          <a:prstGeom prst="roundRect">
-            <a:avLst>
-              <a:gd name="adj" fmla="val 35898"/>
-            </a:avLst>
-          </a:prstGeom>
-          <a:solidFill>
-            <a:srgbClr val="F4CC4E"/>
-          </a:solidFill>
-        </p:spPr>
-        <p:style>
-          <a:lnRef idx="2">
-            <a:schemeClr val="accent1">
-              <a:shade val="50000"/>
-            </a:schemeClr>
-          </a:lnRef>
-          <a:fillRef idx="1">
-            <a:schemeClr val="accent1"/>
-          </a:fillRef>
-          <a:effectRef idx="0">
-            <a:schemeClr val="accent1"/>
-          </a:effectRef>
-          <a:fontRef idx="minor">
-            <a:schemeClr val="lt1"/>
-          </a:fontRef>
-        </p:style>
-        <p:txBody>
-          <a:bodyPr rtlCol="0" anchor="ctr"/>
-          <a:lstStyle/>
-          <a:p>
-            <a:pPr algn="ctr"/>
-            <a:endParaRPr lang="ko-KR" altLang="en-US"/>
-          </a:p>
-        </p:txBody>
-      </p:sp>
-      <p:sp>
-        <p:nvSpPr>
-          <p:cNvPr id="15" name="TextBox 14">
-            <a:extLst>
-              <a:ext uri="{FF2B5EF4-FFF2-40B4-BE49-F238E27FC236}">
-                <a16:creationId xmlns:a16="http://schemas.microsoft.com/office/drawing/2014/main" id="{2AE1CEA8-B6E5-4AD1-9DB5-BDA8322A1D98}"/>
-              </a:ext>
-            </a:extLst>
-          </p:cNvPr>
-          <p:cNvSpPr txBox="1"/>
-          <p:nvPr/>
-        </p:nvSpPr>
-        <p:spPr>
-          <a:xfrm>
-            <a:off x="3048000" y="3244334"/>
-            <a:ext cx="6096000" cy="369332"/>
-          </a:xfrm>
-          <a:prstGeom prst="rect">
-            <a:avLst/>
-          </a:prstGeom>
-          <a:noFill/>
-        </p:spPr>
-        <p:txBody>
-          <a:bodyPr wrap="square">
-            <a:spAutoFit/>
-          </a:bodyPr>
-          <a:lstStyle/>
-          <a:p>
-            <a:r>
-              <a:rPr lang="en-US" altLang="ko-KR" sz="1800">
-                <a:solidFill>
-                  <a:schemeClr val="bg1"/>
-                </a:solidFill>
-                <a:latin typeface="여기어때 잘난체 OTF" panose="020B0600000101010101" pitchFamily="34" charset="-127"/>
-                <a:ea typeface="여기어때 잘난체 OTF" panose="020B0600000101010101" pitchFamily="34" charset="-127"/>
-              </a:rPr>
-              <a:t>How</a:t>
-            </a:r>
-            <a:r>
-              <a:rPr lang="ko-KR" altLang="en-US" sz="1800">
-                <a:solidFill>
-                  <a:schemeClr val="bg1"/>
-                </a:solidFill>
-                <a:latin typeface="여기어때 잘난체 OTF" panose="020B0600000101010101" pitchFamily="34" charset="-127"/>
-                <a:ea typeface="여기어때 잘난체 OTF" panose="020B0600000101010101" pitchFamily="34" charset="-127"/>
-              </a:rPr>
-              <a:t> </a:t>
-            </a:r>
-            <a:r>
-              <a:rPr lang="en-US" altLang="ko-KR" sz="1800">
-                <a:solidFill>
-                  <a:schemeClr val="bg1"/>
-                </a:solidFill>
-                <a:latin typeface="여기어때 잘난체 OTF" panose="020B0600000101010101" pitchFamily="34" charset="-127"/>
-                <a:ea typeface="여기어때 잘난체 OTF" panose="020B0600000101010101" pitchFamily="34" charset="-127"/>
-              </a:rPr>
-              <a:t>to Study</a:t>
-            </a:r>
-          </a:p>
-        </p:txBody>
-      </p:sp>
-      <p:sp>
-        <p:nvSpPr>
-          <p:cNvPr id="16" name="TextBox 15">
-            <a:extLst>
-              <a:ext uri="{FF2B5EF4-FFF2-40B4-BE49-F238E27FC236}">
-                <a16:creationId xmlns:a16="http://schemas.microsoft.com/office/drawing/2014/main" id="{7EAE941E-01BD-45E9-A636-B123E6D84A0A}"/>
-              </a:ext>
-            </a:extLst>
-          </p:cNvPr>
-          <p:cNvSpPr txBox="1"/>
-          <p:nvPr/>
-        </p:nvSpPr>
-        <p:spPr>
-          <a:xfrm>
-            <a:off x="3200400" y="3396734"/>
-            <a:ext cx="6096000" cy="369332"/>
-          </a:xfrm>
-          <a:prstGeom prst="rect">
-            <a:avLst/>
-          </a:prstGeom>
-          <a:noFill/>
-        </p:spPr>
-        <p:txBody>
-          <a:bodyPr wrap="square">
-            <a:spAutoFit/>
-          </a:bodyPr>
-          <a:lstStyle/>
-          <a:p>
-            <a:r>
-              <a:rPr lang="en-US" altLang="ko-KR" sz="1800">
-                <a:solidFill>
-                  <a:schemeClr val="bg1"/>
-                </a:solidFill>
-                <a:latin typeface="여기어때 잘난체 OTF" panose="020B0600000101010101" pitchFamily="34" charset="-127"/>
-                <a:ea typeface="여기어때 잘난체 OTF" panose="020B0600000101010101" pitchFamily="34" charset="-127"/>
-              </a:rPr>
-              <a:t>How</a:t>
-            </a:r>
-            <a:r>
-              <a:rPr lang="ko-KR" altLang="en-US" sz="1800">
-                <a:solidFill>
-                  <a:schemeClr val="bg1"/>
-                </a:solidFill>
-                <a:latin typeface="여기어때 잘난체 OTF" panose="020B0600000101010101" pitchFamily="34" charset="-127"/>
-                <a:ea typeface="여기어때 잘난체 OTF" panose="020B0600000101010101" pitchFamily="34" charset="-127"/>
-              </a:rPr>
-              <a:t> </a:t>
-            </a:r>
-            <a:r>
-              <a:rPr lang="en-US" altLang="ko-KR" sz="1800">
-                <a:solidFill>
-                  <a:schemeClr val="bg1"/>
-                </a:solidFill>
-                <a:latin typeface="여기어때 잘난체 OTF" panose="020B0600000101010101" pitchFamily="34" charset="-127"/>
-                <a:ea typeface="여기어때 잘난체 OTF" panose="020B0600000101010101" pitchFamily="34" charset="-127"/>
-              </a:rPr>
-              <a:t>to Study</a:t>
-            </a:r>
-          </a:p>
-        </p:txBody>
-      </p:sp>
-    </p:spTree>
-    <p:extLst>
-      <p:ext uri="{BB962C8B-B14F-4D97-AF65-F5344CB8AC3E}">
-        <p14:creationId xmlns:p14="http://schemas.microsoft.com/office/powerpoint/2010/main" val="2966610640"/>
-      </p:ext>
-    </p:extLst>
-  </p:cSld>
-  <p:clrMapOvr>
-    <a:masterClrMapping/>
-  </p:clrMapOvr>
-</p:sld>
-</file>
-
-<file path=ppt/slides/slide4.xml><?xml version="1.0" encoding="utf-8"?>
-<p:sld xmlns:a="http://schemas.openxmlformats.org/drawingml/2006/main" xmlns:r="http://schemas.openxmlformats.org/officeDocument/2006/relationships" xmlns:p="http://schemas.openxmlformats.org/presentationml/2006/main">
-  <p:cSld>
     <p:spTree>
       <p:nvGrpSpPr>
         <p:cNvPr id="1" name=""/>

--- a/Article/리뷰/공부리뷰/개정판_어떻게운영체제를공부할것인가/img/img.pptx
+++ b/Article/리뷰/공부리뷰/개정판_어떻게운영체제를공부할것인가/img/img.pptx
@@ -261,7 +261,7 @@
           <a:p>
             <a:fld id="{9D43F804-2AD6-4689-8962-F278AEC4ABBD}" type="datetimeFigureOut">
               <a:rPr lang="ko-KR" altLang="en-US" smtClean="0"/>
-              <a:t>2020-12-29</a:t>
+              <a:t>2020-12-30</a:t>
             </a:fld>
             <a:endParaRPr lang="ko-KR" altLang="en-US"/>
           </a:p>
@@ -459,7 +459,7 @@
           <a:p>
             <a:fld id="{9D43F804-2AD6-4689-8962-F278AEC4ABBD}" type="datetimeFigureOut">
               <a:rPr lang="ko-KR" altLang="en-US" smtClean="0"/>
-              <a:t>2020-12-29</a:t>
+              <a:t>2020-12-30</a:t>
             </a:fld>
             <a:endParaRPr lang="ko-KR" altLang="en-US"/>
           </a:p>
@@ -667,7 +667,7 @@
           <a:p>
             <a:fld id="{9D43F804-2AD6-4689-8962-F278AEC4ABBD}" type="datetimeFigureOut">
               <a:rPr lang="ko-KR" altLang="en-US" smtClean="0"/>
-              <a:t>2020-12-29</a:t>
+              <a:t>2020-12-30</a:t>
             </a:fld>
             <a:endParaRPr lang="ko-KR" altLang="en-US"/>
           </a:p>
@@ -865,7 +865,7 @@
           <a:p>
             <a:fld id="{9D43F804-2AD6-4689-8962-F278AEC4ABBD}" type="datetimeFigureOut">
               <a:rPr lang="ko-KR" altLang="en-US" smtClean="0"/>
-              <a:t>2020-12-29</a:t>
+              <a:t>2020-12-30</a:t>
             </a:fld>
             <a:endParaRPr lang="ko-KR" altLang="en-US"/>
           </a:p>
@@ -1140,7 +1140,7 @@
           <a:p>
             <a:fld id="{9D43F804-2AD6-4689-8962-F278AEC4ABBD}" type="datetimeFigureOut">
               <a:rPr lang="ko-KR" altLang="en-US" smtClean="0"/>
-              <a:t>2020-12-29</a:t>
+              <a:t>2020-12-30</a:t>
             </a:fld>
             <a:endParaRPr lang="ko-KR" altLang="en-US"/>
           </a:p>
@@ -1405,7 +1405,7 @@
           <a:p>
             <a:fld id="{9D43F804-2AD6-4689-8962-F278AEC4ABBD}" type="datetimeFigureOut">
               <a:rPr lang="ko-KR" altLang="en-US" smtClean="0"/>
-              <a:t>2020-12-29</a:t>
+              <a:t>2020-12-30</a:t>
             </a:fld>
             <a:endParaRPr lang="ko-KR" altLang="en-US"/>
           </a:p>
@@ -1817,7 +1817,7 @@
           <a:p>
             <a:fld id="{9D43F804-2AD6-4689-8962-F278AEC4ABBD}" type="datetimeFigureOut">
               <a:rPr lang="ko-KR" altLang="en-US" smtClean="0"/>
-              <a:t>2020-12-29</a:t>
+              <a:t>2020-12-30</a:t>
             </a:fld>
             <a:endParaRPr lang="ko-KR" altLang="en-US"/>
           </a:p>
@@ -1958,7 +1958,7 @@
           <a:p>
             <a:fld id="{9D43F804-2AD6-4689-8962-F278AEC4ABBD}" type="datetimeFigureOut">
               <a:rPr lang="ko-KR" altLang="en-US" smtClean="0"/>
-              <a:t>2020-12-29</a:t>
+              <a:t>2020-12-30</a:t>
             </a:fld>
             <a:endParaRPr lang="ko-KR" altLang="en-US"/>
           </a:p>
@@ -2071,7 +2071,7 @@
           <a:p>
             <a:fld id="{9D43F804-2AD6-4689-8962-F278AEC4ABBD}" type="datetimeFigureOut">
               <a:rPr lang="ko-KR" altLang="en-US" smtClean="0"/>
-              <a:t>2020-12-29</a:t>
+              <a:t>2020-12-30</a:t>
             </a:fld>
             <a:endParaRPr lang="ko-KR" altLang="en-US"/>
           </a:p>
@@ -2382,7 +2382,7 @@
           <a:p>
             <a:fld id="{9D43F804-2AD6-4689-8962-F278AEC4ABBD}" type="datetimeFigureOut">
               <a:rPr lang="ko-KR" altLang="en-US" smtClean="0"/>
-              <a:t>2020-12-29</a:t>
+              <a:t>2020-12-30</a:t>
             </a:fld>
             <a:endParaRPr lang="ko-KR" altLang="en-US"/>
           </a:p>
@@ -2670,7 +2670,7 @@
           <a:p>
             <a:fld id="{9D43F804-2AD6-4689-8962-F278AEC4ABBD}" type="datetimeFigureOut">
               <a:rPr lang="ko-KR" altLang="en-US" smtClean="0"/>
-              <a:t>2020-12-29</a:t>
+              <a:t>2020-12-30</a:t>
             </a:fld>
             <a:endParaRPr lang="ko-KR" altLang="en-US"/>
           </a:p>
@@ -2911,7 +2911,7 @@
           <a:p>
             <a:fld id="{9D43F804-2AD6-4689-8962-F278AEC4ABBD}" type="datetimeFigureOut">
               <a:rPr lang="ko-KR" altLang="en-US" smtClean="0"/>
-              <a:t>2020-12-29</a:t>
+              <a:t>2020-12-30</a:t>
             </a:fld>
             <a:endParaRPr lang="ko-KR" altLang="en-US"/>
           </a:p>
